--- a/Source/Document/设计文档.pptx
+++ b/Source/Document/设计文档.pptx
@@ -6,9 +6,11 @@
   </p:sldMasterIdLst>
   <p:sldIdLst>
     <p:sldId id="256" r:id="rId2"/>
-    <p:sldId id="257" r:id="rId3"/>
-    <p:sldId id="258" r:id="rId4"/>
-    <p:sldId id="259" r:id="rId5"/>
+    <p:sldId id="262" r:id="rId3"/>
+    <p:sldId id="261" r:id="rId4"/>
+    <p:sldId id="260" r:id="rId5"/>
+    <p:sldId id="258" r:id="rId6"/>
+    <p:sldId id="259" r:id="rId7"/>
   </p:sldIdLst>
   <p:sldSz cx="9144000" cy="6858000" type="screen4x3"/>
   <p:notesSz cx="6858000" cy="9144000"/>
@@ -291,7 +293,7 @@
           <a:p>
             <a:fld id="{530820CF-B880-4189-942D-D702A7CBA730}" type="datetimeFigureOut">
               <a:rPr lang="zh-CN" altLang="en-US" smtClean="0"/>
-              <a:t>2014/4/21</a:t>
+              <a:t>2014/4/22</a:t>
             </a:fld>
             <a:endParaRPr lang="zh-CN" altLang="en-US"/>
           </a:p>
@@ -456,7 +458,7 @@
           <a:p>
             <a:fld id="{530820CF-B880-4189-942D-D702A7CBA730}" type="datetimeFigureOut">
               <a:rPr lang="zh-CN" altLang="en-US" smtClean="0"/>
-              <a:t>2014/4/21</a:t>
+              <a:t>2014/4/22</a:t>
             </a:fld>
             <a:endParaRPr lang="zh-CN" altLang="en-US"/>
           </a:p>
@@ -631,7 +633,7 @@
           <a:p>
             <a:fld id="{530820CF-B880-4189-942D-D702A7CBA730}" type="datetimeFigureOut">
               <a:rPr lang="zh-CN" altLang="en-US" smtClean="0"/>
-              <a:t>2014/4/21</a:t>
+              <a:t>2014/4/22</a:t>
             </a:fld>
             <a:endParaRPr lang="zh-CN" altLang="en-US"/>
           </a:p>
@@ -796,7 +798,7 @@
           <a:p>
             <a:fld id="{530820CF-B880-4189-942D-D702A7CBA730}" type="datetimeFigureOut">
               <a:rPr lang="zh-CN" altLang="en-US" smtClean="0"/>
-              <a:t>2014/4/21</a:t>
+              <a:t>2014/4/22</a:t>
             </a:fld>
             <a:endParaRPr lang="zh-CN" altLang="en-US"/>
           </a:p>
@@ -1037,7 +1039,7 @@
           <a:p>
             <a:fld id="{530820CF-B880-4189-942D-D702A7CBA730}" type="datetimeFigureOut">
               <a:rPr lang="zh-CN" altLang="en-US" smtClean="0"/>
-              <a:t>2014/4/21</a:t>
+              <a:t>2014/4/22</a:t>
             </a:fld>
             <a:endParaRPr lang="zh-CN" altLang="en-US"/>
           </a:p>
@@ -1320,7 +1322,7 @@
           <a:p>
             <a:fld id="{530820CF-B880-4189-942D-D702A7CBA730}" type="datetimeFigureOut">
               <a:rPr lang="zh-CN" altLang="en-US" smtClean="0"/>
-              <a:t>2014/4/21</a:t>
+              <a:t>2014/4/22</a:t>
             </a:fld>
             <a:endParaRPr lang="zh-CN" altLang="en-US"/>
           </a:p>
@@ -1737,7 +1739,7 @@
           <a:p>
             <a:fld id="{530820CF-B880-4189-942D-D702A7CBA730}" type="datetimeFigureOut">
               <a:rPr lang="zh-CN" altLang="en-US" smtClean="0"/>
-              <a:t>2014/4/21</a:t>
+              <a:t>2014/4/22</a:t>
             </a:fld>
             <a:endParaRPr lang="zh-CN" altLang="en-US"/>
           </a:p>
@@ -1850,7 +1852,7 @@
           <a:p>
             <a:fld id="{530820CF-B880-4189-942D-D702A7CBA730}" type="datetimeFigureOut">
               <a:rPr lang="zh-CN" altLang="en-US" smtClean="0"/>
-              <a:t>2014/4/21</a:t>
+              <a:t>2014/4/22</a:t>
             </a:fld>
             <a:endParaRPr lang="zh-CN" altLang="en-US"/>
           </a:p>
@@ -1940,7 +1942,7 @@
           <a:p>
             <a:fld id="{530820CF-B880-4189-942D-D702A7CBA730}" type="datetimeFigureOut">
               <a:rPr lang="zh-CN" altLang="en-US" smtClean="0"/>
-              <a:t>2014/4/21</a:t>
+              <a:t>2014/4/22</a:t>
             </a:fld>
             <a:endParaRPr lang="zh-CN" altLang="en-US"/>
           </a:p>
@@ -2212,7 +2214,7 @@
           <a:p>
             <a:fld id="{530820CF-B880-4189-942D-D702A7CBA730}" type="datetimeFigureOut">
               <a:rPr lang="zh-CN" altLang="en-US" smtClean="0"/>
-              <a:t>2014/4/21</a:t>
+              <a:t>2014/4/22</a:t>
             </a:fld>
             <a:endParaRPr lang="zh-CN" altLang="en-US"/>
           </a:p>
@@ -2460,7 +2462,7 @@
           <a:p>
             <a:fld id="{530820CF-B880-4189-942D-D702A7CBA730}" type="datetimeFigureOut">
               <a:rPr lang="zh-CN" altLang="en-US" smtClean="0"/>
-              <a:t>2014/4/21</a:t>
+              <a:t>2014/4/22</a:t>
             </a:fld>
             <a:endParaRPr lang="zh-CN" altLang="en-US"/>
           </a:p>
@@ -2668,7 +2670,7 @@
           <a:p>
             <a:fld id="{530820CF-B880-4189-942D-D702A7CBA730}" type="datetimeFigureOut">
               <a:rPr lang="zh-CN" altLang="en-US" smtClean="0"/>
-              <a:t>2014/4/21</a:t>
+              <a:t>2014/4/22</a:t>
             </a:fld>
             <a:endParaRPr lang="zh-CN" altLang="en-US"/>
           </a:p>
@@ -3053,6 +3055,10 @@
           <a:bodyPr/>
           <a:lstStyle/>
           <a:p>
+            <a:r>
+              <a:rPr lang="zh-CN" altLang="en-US" smtClean="0"/>
+              <a:t>引擎构架设计</a:t>
+            </a:r>
             <a:endParaRPr lang="zh-CN" altLang="en-US"/>
           </a:p>
         </p:txBody>
@@ -3072,6 +3078,17 @@
           <a:bodyPr/>
           <a:lstStyle/>
           <a:p>
+            <a:r>
+              <a:rPr lang="zh-CN" altLang="en-US" smtClean="0"/>
+              <a:t>毛春杨</a:t>
+            </a:r>
+            <a:endParaRPr lang="en-US" altLang="zh-CN" smtClean="0"/>
+          </a:p>
+          <a:p>
+            <a:r>
+              <a:rPr lang="en-US" altLang="zh-CN" smtClean="0"/>
+              <a:t>2014/4/22</a:t>
+            </a:r>
             <a:endParaRPr lang="zh-CN" altLang="en-US"/>
           </a:p>
         </p:txBody>
@@ -3123,7 +3140,7 @@
           <a:p>
             <a:r>
               <a:rPr lang="zh-CN" altLang="en-US" smtClean="0"/>
-              <a:t>设计</a:t>
+              <a:t>引擎设计</a:t>
             </a:r>
             <a:endParaRPr lang="zh-CN" altLang="en-US"/>
           </a:p>
@@ -3144,6 +3161,28 @@
           <a:bodyPr/>
           <a:lstStyle/>
           <a:p>
+            <a:r>
+              <a:rPr lang="zh-CN" altLang="en-US" smtClean="0"/>
+              <a:t>项目结构</a:t>
+            </a:r>
+            <a:endParaRPr lang="en-US" altLang="zh-CN" smtClean="0"/>
+          </a:p>
+          <a:p>
+            <a:r>
+              <a:rPr lang="zh-CN" altLang="en-US"/>
+              <a:t>场景</a:t>
+            </a:r>
+            <a:r>
+              <a:rPr lang="zh-CN" altLang="en-US" smtClean="0"/>
+              <a:t>结构</a:t>
+            </a:r>
+            <a:endParaRPr lang="en-US" altLang="zh-CN" smtClean="0"/>
+          </a:p>
+          <a:p>
+            <a:r>
+              <a:rPr lang="zh-CN" altLang="en-US" smtClean="0"/>
+              <a:t>脚本结构</a:t>
+            </a:r>
             <a:endParaRPr lang="zh-CN" altLang="en-US"/>
           </a:p>
         </p:txBody>
@@ -3151,7 +3190,7 @@
     </p:spTree>
     <p:extLst>
       <p:ext uri="{BB962C8B-B14F-4D97-AF65-F5344CB8AC3E}">
-        <p14:creationId xmlns:p14="http://schemas.microsoft.com/office/powerpoint/2010/main" val="2786985904"/>
+        <p14:creationId xmlns:p14="http://schemas.microsoft.com/office/powerpoint/2010/main" val="3369285728"/>
       </p:ext>
     </p:extLst>
   </p:cSld>
@@ -3195,6 +3234,2204 @@
           <a:p>
             <a:r>
               <a:rPr lang="zh-CN" altLang="en-US" smtClean="0"/>
+              <a:t>项目结构</a:t>
+            </a:r>
+            <a:endParaRPr lang="zh-CN" altLang="en-US"/>
+          </a:p>
+        </p:txBody>
+      </p:sp>
+      <p:sp>
+        <p:nvSpPr>
+          <p:cNvPr id="3" name="内容占位符 2"/>
+          <p:cNvSpPr>
+            <a:spLocks noGrp="1"/>
+          </p:cNvSpPr>
+          <p:nvPr>
+            <p:ph idx="1"/>
+          </p:nvPr>
+        </p:nvSpPr>
+        <p:spPr>
+          <a:xfrm>
+            <a:off x="3941222" y="1340768"/>
+            <a:ext cx="4951258" cy="5328592"/>
+          </a:xfrm>
+        </p:spPr>
+        <p:txBody>
+          <a:bodyPr>
+            <a:normAutofit fontScale="62500" lnSpcReduction="20000"/>
+          </a:bodyPr>
+          <a:lstStyle/>
+          <a:p>
+            <a:r>
+              <a:rPr lang="en-US" altLang="zh-CN" smtClean="0"/>
+              <a:t>Common</a:t>
+            </a:r>
+            <a:r>
+              <a:rPr lang="zh-CN" altLang="en-US" smtClean="0"/>
+              <a:t>：共同库</a:t>
+            </a:r>
+            <a:endParaRPr lang="en-US" altLang="zh-CN" smtClean="0"/>
+          </a:p>
+          <a:p>
+            <a:pPr lvl="1"/>
+            <a:r>
+              <a:rPr lang="zh-CN" altLang="en-US" smtClean="0"/>
+              <a:t>完成与具体平台</a:t>
+            </a:r>
+            <a:r>
+              <a:rPr lang="en-US" altLang="zh-CN" smtClean="0"/>
+              <a:t>(Windows/Linux)</a:t>
+            </a:r>
+            <a:r>
+              <a:rPr lang="zh-CN" altLang="en-US" smtClean="0"/>
+              <a:t>，业务功能</a:t>
+            </a:r>
+            <a:r>
+              <a:rPr lang="en-US" altLang="zh-CN" smtClean="0"/>
+              <a:t>(Graphics/Sound)</a:t>
+            </a:r>
+            <a:r>
+              <a:rPr lang="zh-CN" altLang="en-US" smtClean="0"/>
+              <a:t>无关的功能。</a:t>
+            </a:r>
+            <a:endParaRPr lang="en-US" altLang="zh-CN" smtClean="0"/>
+          </a:p>
+          <a:p>
+            <a:r>
+              <a:rPr lang="en-US" altLang="zh-CN" smtClean="0"/>
+              <a:t>Archiecture</a:t>
+            </a:r>
+            <a:r>
+              <a:rPr lang="zh-CN" altLang="en-US" smtClean="0"/>
+              <a:t>：构架库</a:t>
+            </a:r>
+            <a:endParaRPr lang="en-US" altLang="zh-CN" smtClean="0"/>
+          </a:p>
+          <a:p>
+            <a:pPr lvl="1"/>
+            <a:r>
+              <a:rPr lang="zh-CN" altLang="en-US" smtClean="0"/>
+              <a:t>提供在各个终端上共同运行功能。</a:t>
+            </a:r>
+            <a:r>
+              <a:rPr lang="en-US" altLang="zh-CN" smtClean="0"/>
+              <a:t>(Locker/Thread)</a:t>
+            </a:r>
+            <a:endParaRPr lang="en-US" altLang="zh-CN" smtClean="0"/>
+          </a:p>
+          <a:p>
+            <a:r>
+              <a:rPr lang="en-US" altLang="zh-CN" smtClean="0"/>
+              <a:t>Feature</a:t>
+            </a:r>
+            <a:r>
+              <a:rPr lang="zh-CN" altLang="en-US" smtClean="0"/>
+              <a:t>：功能库</a:t>
+            </a:r>
+            <a:endParaRPr lang="en-US" altLang="zh-CN" smtClean="0"/>
+          </a:p>
+          <a:p>
+            <a:pPr lvl="1"/>
+            <a:r>
+              <a:rPr lang="zh-CN" altLang="en-US" smtClean="0"/>
+              <a:t>完成部分功能</a:t>
+            </a:r>
+            <a:endParaRPr lang="en-US" altLang="zh-CN" smtClean="0"/>
+          </a:p>
+          <a:p>
+            <a:pPr lvl="1"/>
+            <a:r>
+              <a:rPr lang="zh-CN" altLang="en-US" smtClean="0"/>
+              <a:t>能库间没有任何关系。</a:t>
+            </a:r>
+            <a:endParaRPr lang="en-US" altLang="zh-CN" smtClean="0"/>
+          </a:p>
+          <a:p>
+            <a:pPr lvl="1"/>
+            <a:r>
+              <a:rPr lang="zh-CN" altLang="en-US" smtClean="0"/>
+              <a:t>规定了底层接口，不提供具体实现。</a:t>
+            </a:r>
+            <a:r>
+              <a:rPr lang="en-US" altLang="zh-CN" smtClean="0"/>
+              <a:t>(Graphics/Script)</a:t>
+            </a:r>
+            <a:endParaRPr lang="en-US" altLang="zh-CN" smtClean="0"/>
+          </a:p>
+          <a:p>
+            <a:r>
+              <a:rPr lang="en-US" altLang="zh-CN" smtClean="0"/>
+              <a:t>Engine</a:t>
+            </a:r>
+            <a:r>
+              <a:rPr lang="zh-CN" altLang="en-US" smtClean="0"/>
+              <a:t>：引擎库</a:t>
+            </a:r>
+            <a:endParaRPr lang="en-US" altLang="zh-CN" smtClean="0"/>
+          </a:p>
+          <a:p>
+            <a:pPr lvl="1"/>
+            <a:r>
+              <a:rPr lang="zh-CN" altLang="en-US" smtClean="0"/>
+              <a:t>利用功能库完成所有具体功能。</a:t>
+            </a:r>
+            <a:endParaRPr lang="en-US" altLang="zh-CN" smtClean="0"/>
+          </a:p>
+          <a:p>
+            <a:r>
+              <a:rPr lang="en-US" altLang="zh-CN" smtClean="0"/>
+              <a:t>Platform</a:t>
+            </a:r>
+            <a:r>
+              <a:rPr lang="zh-CN" altLang="en-US" smtClean="0"/>
+              <a:t>：</a:t>
+            </a:r>
+            <a:endParaRPr lang="en-US" altLang="zh-CN" smtClean="0"/>
+          </a:p>
+          <a:p>
+            <a:pPr lvl="1"/>
+            <a:r>
+              <a:rPr lang="zh-CN" altLang="en-US" smtClean="0"/>
+              <a:t>实现</a:t>
+            </a:r>
+            <a:r>
+              <a:rPr lang="en-US" altLang="zh-CN" smtClean="0"/>
+              <a:t>Feature</a:t>
+            </a:r>
+            <a:r>
+              <a:rPr lang="zh-CN" altLang="en-US" smtClean="0"/>
+              <a:t>部分的跨平台部分</a:t>
+            </a:r>
+            <a:r>
+              <a:rPr lang="zh-CN" altLang="en-US"/>
+              <a:t>。</a:t>
+            </a:r>
+            <a:endParaRPr lang="en-US" altLang="zh-CN" smtClean="0"/>
+          </a:p>
+          <a:p>
+            <a:r>
+              <a:rPr lang="en-US" altLang="zh-CN" smtClean="0"/>
+              <a:t>Plugin</a:t>
+            </a:r>
+            <a:r>
+              <a:rPr lang="zh-CN" altLang="en-US" smtClean="0"/>
+              <a:t>：</a:t>
+            </a:r>
+            <a:endParaRPr lang="en-US" altLang="zh-CN" smtClean="0"/>
+          </a:p>
+          <a:p>
+            <a:pPr lvl="1"/>
+            <a:r>
+              <a:rPr lang="zh-CN" altLang="en-US" smtClean="0"/>
+              <a:t>实现</a:t>
+            </a:r>
+            <a:r>
+              <a:rPr lang="en-US" altLang="zh-CN" smtClean="0"/>
+              <a:t>Feature</a:t>
+            </a:r>
+            <a:r>
+              <a:rPr lang="zh-CN" altLang="en-US" smtClean="0"/>
+              <a:t>部分的功能扩充。</a:t>
+            </a:r>
+            <a:endParaRPr lang="en-US" altLang="zh-CN" smtClean="0"/>
+          </a:p>
+          <a:p>
+            <a:r>
+              <a:rPr lang="en-US" altLang="zh-CN" smtClean="0"/>
+              <a:t>Game</a:t>
+            </a:r>
+            <a:r>
+              <a:rPr lang="zh-CN" altLang="en-US" smtClean="0"/>
+              <a:t>：</a:t>
+            </a:r>
+            <a:endParaRPr lang="en-US" altLang="zh-CN" smtClean="0"/>
+          </a:p>
+          <a:p>
+            <a:pPr lvl="1"/>
+            <a:r>
+              <a:rPr lang="zh-CN" altLang="en-US" smtClean="0"/>
+              <a:t>游戏逻辑部分基础实现。</a:t>
+            </a:r>
+            <a:endParaRPr lang="zh-CN" altLang="en-US"/>
+          </a:p>
+        </p:txBody>
+      </p:sp>
+      <p:sp>
+        <p:nvSpPr>
+          <p:cNvPr id="4" name="圆角矩形 3"/>
+          <p:cNvSpPr/>
+          <p:nvPr/>
+        </p:nvSpPr>
+        <p:spPr>
+          <a:xfrm>
+            <a:off x="339461" y="1558929"/>
+            <a:ext cx="1944216" cy="360040"/>
+          </a:xfrm>
+          <a:prstGeom prst="roundRect">
+            <a:avLst/>
+          </a:prstGeom>
+        </p:spPr>
+        <p:style>
+          <a:lnRef idx="1">
+            <a:schemeClr val="accent4"/>
+          </a:lnRef>
+          <a:fillRef idx="2">
+            <a:schemeClr val="accent4"/>
+          </a:fillRef>
+          <a:effectRef idx="1">
+            <a:schemeClr val="accent4"/>
+          </a:effectRef>
+          <a:fontRef idx="minor">
+            <a:schemeClr val="dk1"/>
+          </a:fontRef>
+        </p:style>
+        <p:txBody>
+          <a:bodyPr lIns="0" tIns="0" rIns="0" bIns="0" rtlCol="0" anchor="ctr"/>
+          <a:lstStyle/>
+          <a:p>
+            <a:pPr algn="ctr"/>
+            <a:r>
+              <a:rPr lang="en-US" altLang="zh-CN" sz="1600" smtClean="0"/>
+              <a:t>Cross</a:t>
+            </a:r>
+          </a:p>
+        </p:txBody>
+      </p:sp>
+      <p:sp>
+        <p:nvSpPr>
+          <p:cNvPr id="5" name="圆角矩形 4"/>
+          <p:cNvSpPr/>
+          <p:nvPr/>
+        </p:nvSpPr>
+        <p:spPr>
+          <a:xfrm>
+            <a:off x="1599601" y="2155567"/>
+            <a:ext cx="1692188" cy="360040"/>
+          </a:xfrm>
+          <a:prstGeom prst="roundRect">
+            <a:avLst/>
+          </a:prstGeom>
+        </p:spPr>
+        <p:style>
+          <a:lnRef idx="1">
+            <a:schemeClr val="accent5"/>
+          </a:lnRef>
+          <a:fillRef idx="2">
+            <a:schemeClr val="accent5"/>
+          </a:fillRef>
+          <a:effectRef idx="1">
+            <a:schemeClr val="accent5"/>
+          </a:effectRef>
+          <a:fontRef idx="minor">
+            <a:schemeClr val="dk1"/>
+          </a:fontRef>
+        </p:style>
+        <p:txBody>
+          <a:bodyPr lIns="0" tIns="0" rIns="0" bIns="0" rtlCol="0" anchor="ctr"/>
+          <a:lstStyle/>
+          <a:p>
+            <a:pPr algn="ctr"/>
+            <a:r>
+              <a:rPr lang="en-US" altLang="zh-CN" sz="1600" smtClean="0"/>
+              <a:t>Common</a:t>
+            </a:r>
+            <a:endParaRPr lang="zh-CN" altLang="en-US" sz="1600"/>
+          </a:p>
+        </p:txBody>
+      </p:sp>
+      <p:sp>
+        <p:nvSpPr>
+          <p:cNvPr id="6" name="圆角矩形 5"/>
+          <p:cNvSpPr/>
+          <p:nvPr/>
+        </p:nvSpPr>
+        <p:spPr>
+          <a:xfrm>
+            <a:off x="1599601" y="2752205"/>
+            <a:ext cx="1692188" cy="360040"/>
+          </a:xfrm>
+          <a:prstGeom prst="roundRect">
+            <a:avLst/>
+          </a:prstGeom>
+        </p:spPr>
+        <p:style>
+          <a:lnRef idx="1">
+            <a:schemeClr val="accent5"/>
+          </a:lnRef>
+          <a:fillRef idx="2">
+            <a:schemeClr val="accent5"/>
+          </a:fillRef>
+          <a:effectRef idx="1">
+            <a:schemeClr val="accent5"/>
+          </a:effectRef>
+          <a:fontRef idx="minor">
+            <a:schemeClr val="dk1"/>
+          </a:fontRef>
+        </p:style>
+        <p:txBody>
+          <a:bodyPr lIns="0" tIns="0" rIns="0" bIns="0" rtlCol="0" anchor="ctr"/>
+          <a:lstStyle/>
+          <a:p>
+            <a:pPr algn="ctr"/>
+            <a:r>
+              <a:rPr lang="en-US" altLang="zh-CN" sz="1600" smtClean="0"/>
+              <a:t>Archiecture</a:t>
+            </a:r>
+            <a:endParaRPr lang="zh-CN" altLang="en-US" sz="1600"/>
+          </a:p>
+        </p:txBody>
+      </p:sp>
+      <p:cxnSp>
+        <p:nvCxnSpPr>
+          <p:cNvPr id="7" name="肘形连接符 6"/>
+          <p:cNvCxnSpPr>
+            <a:stCxn id="4" idx="2"/>
+            <a:endCxn id="5" idx="1"/>
+          </p:cNvCxnSpPr>
+          <p:nvPr/>
+        </p:nvCxnSpPr>
+        <p:spPr>
+          <a:xfrm rot="16200000" flipH="1">
+            <a:off x="1247276" y="1983262"/>
+            <a:ext cx="416618" cy="288032"/>
+          </a:xfrm>
+          <a:prstGeom prst="bentConnector2">
+            <a:avLst/>
+          </a:prstGeom>
+          <a:ln w="19050"/>
+        </p:spPr>
+        <p:style>
+          <a:lnRef idx="1">
+            <a:schemeClr val="accent1"/>
+          </a:lnRef>
+          <a:fillRef idx="0">
+            <a:schemeClr val="accent1"/>
+          </a:fillRef>
+          <a:effectRef idx="0">
+            <a:schemeClr val="accent1"/>
+          </a:effectRef>
+          <a:fontRef idx="minor">
+            <a:schemeClr val="tx1"/>
+          </a:fontRef>
+        </p:style>
+      </p:cxnSp>
+      <p:cxnSp>
+        <p:nvCxnSpPr>
+          <p:cNvPr id="10" name="肘形连接符 9"/>
+          <p:cNvCxnSpPr>
+            <a:stCxn id="4" idx="2"/>
+            <a:endCxn id="6" idx="1"/>
+          </p:cNvCxnSpPr>
+          <p:nvPr/>
+        </p:nvCxnSpPr>
+        <p:spPr>
+          <a:xfrm rot="16200000" flipH="1">
+            <a:off x="948957" y="2281581"/>
+            <a:ext cx="1013256" cy="288032"/>
+          </a:xfrm>
+          <a:prstGeom prst="bentConnector2">
+            <a:avLst/>
+          </a:prstGeom>
+          <a:ln w="19050"/>
+        </p:spPr>
+        <p:style>
+          <a:lnRef idx="1">
+            <a:schemeClr val="accent1"/>
+          </a:lnRef>
+          <a:fillRef idx="0">
+            <a:schemeClr val="accent1"/>
+          </a:fillRef>
+          <a:effectRef idx="0">
+            <a:schemeClr val="accent1"/>
+          </a:effectRef>
+          <a:fontRef idx="minor">
+            <a:schemeClr val="tx1"/>
+          </a:fontRef>
+        </p:style>
+      </p:cxnSp>
+      <p:sp>
+        <p:nvSpPr>
+          <p:cNvPr id="17" name="圆角矩形 16"/>
+          <p:cNvSpPr/>
+          <p:nvPr/>
+        </p:nvSpPr>
+        <p:spPr>
+          <a:xfrm>
+            <a:off x="1599601" y="3348843"/>
+            <a:ext cx="1692188" cy="360040"/>
+          </a:xfrm>
+          <a:prstGeom prst="roundRect">
+            <a:avLst/>
+          </a:prstGeom>
+        </p:spPr>
+        <p:style>
+          <a:lnRef idx="1">
+            <a:schemeClr val="accent5"/>
+          </a:lnRef>
+          <a:fillRef idx="2">
+            <a:schemeClr val="accent5"/>
+          </a:fillRef>
+          <a:effectRef idx="1">
+            <a:schemeClr val="accent5"/>
+          </a:effectRef>
+          <a:fontRef idx="minor">
+            <a:schemeClr val="dk1"/>
+          </a:fontRef>
+        </p:style>
+        <p:txBody>
+          <a:bodyPr lIns="0" tIns="0" rIns="0" bIns="0" rtlCol="0" anchor="ctr"/>
+          <a:lstStyle/>
+          <a:p>
+            <a:pPr algn="ctr"/>
+            <a:r>
+              <a:rPr lang="en-US" altLang="zh-CN" sz="1600" smtClean="0"/>
+              <a:t>Feature</a:t>
+            </a:r>
+            <a:endParaRPr lang="zh-CN" altLang="en-US" sz="1600"/>
+          </a:p>
+        </p:txBody>
+      </p:sp>
+      <p:cxnSp>
+        <p:nvCxnSpPr>
+          <p:cNvPr id="18" name="肘形连接符 17"/>
+          <p:cNvCxnSpPr>
+            <a:stCxn id="4" idx="2"/>
+            <a:endCxn id="17" idx="1"/>
+          </p:cNvCxnSpPr>
+          <p:nvPr/>
+        </p:nvCxnSpPr>
+        <p:spPr>
+          <a:xfrm rot="16200000" flipH="1">
+            <a:off x="650638" y="2579900"/>
+            <a:ext cx="1609894" cy="288032"/>
+          </a:xfrm>
+          <a:prstGeom prst="bentConnector2">
+            <a:avLst/>
+          </a:prstGeom>
+          <a:ln w="19050"/>
+        </p:spPr>
+        <p:style>
+          <a:lnRef idx="1">
+            <a:schemeClr val="accent1"/>
+          </a:lnRef>
+          <a:fillRef idx="0">
+            <a:schemeClr val="accent1"/>
+          </a:fillRef>
+          <a:effectRef idx="0">
+            <a:schemeClr val="accent1"/>
+          </a:effectRef>
+          <a:fontRef idx="minor">
+            <a:schemeClr val="tx1"/>
+          </a:fontRef>
+        </p:style>
+      </p:cxnSp>
+      <p:sp>
+        <p:nvSpPr>
+          <p:cNvPr id="12" name="圆角矩形 11"/>
+          <p:cNvSpPr/>
+          <p:nvPr/>
+        </p:nvSpPr>
+        <p:spPr>
+          <a:xfrm>
+            <a:off x="1599601" y="3945481"/>
+            <a:ext cx="1692188" cy="360040"/>
+          </a:xfrm>
+          <a:prstGeom prst="roundRect">
+            <a:avLst/>
+          </a:prstGeom>
+        </p:spPr>
+        <p:style>
+          <a:lnRef idx="1">
+            <a:schemeClr val="accent5"/>
+          </a:lnRef>
+          <a:fillRef idx="2">
+            <a:schemeClr val="accent5"/>
+          </a:fillRef>
+          <a:effectRef idx="1">
+            <a:schemeClr val="accent5"/>
+          </a:effectRef>
+          <a:fontRef idx="minor">
+            <a:schemeClr val="dk1"/>
+          </a:fontRef>
+        </p:style>
+        <p:txBody>
+          <a:bodyPr lIns="0" tIns="0" rIns="0" bIns="0" rtlCol="0" anchor="ctr"/>
+          <a:lstStyle/>
+          <a:p>
+            <a:pPr algn="ctr"/>
+            <a:r>
+              <a:rPr lang="en-US" altLang="zh-CN" sz="1600" smtClean="0"/>
+              <a:t>Engine</a:t>
+            </a:r>
+            <a:endParaRPr lang="zh-CN" altLang="en-US" sz="1600"/>
+          </a:p>
+        </p:txBody>
+      </p:sp>
+      <p:sp>
+        <p:nvSpPr>
+          <p:cNvPr id="13" name="圆角矩形 12"/>
+          <p:cNvSpPr/>
+          <p:nvPr/>
+        </p:nvSpPr>
+        <p:spPr>
+          <a:xfrm>
+            <a:off x="1599601" y="4542119"/>
+            <a:ext cx="1692188" cy="360040"/>
+          </a:xfrm>
+          <a:prstGeom prst="roundRect">
+            <a:avLst/>
+          </a:prstGeom>
+        </p:spPr>
+        <p:style>
+          <a:lnRef idx="1">
+            <a:schemeClr val="accent5"/>
+          </a:lnRef>
+          <a:fillRef idx="2">
+            <a:schemeClr val="accent5"/>
+          </a:fillRef>
+          <a:effectRef idx="1">
+            <a:schemeClr val="accent5"/>
+          </a:effectRef>
+          <a:fontRef idx="minor">
+            <a:schemeClr val="dk1"/>
+          </a:fontRef>
+        </p:style>
+        <p:txBody>
+          <a:bodyPr lIns="0" tIns="0" rIns="0" bIns="0" rtlCol="0" anchor="ctr"/>
+          <a:lstStyle/>
+          <a:p>
+            <a:pPr algn="ctr"/>
+            <a:r>
+              <a:rPr lang="en-US" altLang="zh-CN" sz="1600" smtClean="0"/>
+              <a:t>Platform</a:t>
+            </a:r>
+            <a:endParaRPr lang="zh-CN" altLang="en-US" sz="1600"/>
+          </a:p>
+        </p:txBody>
+      </p:sp>
+      <p:sp>
+        <p:nvSpPr>
+          <p:cNvPr id="14" name="圆角矩形 13"/>
+          <p:cNvSpPr/>
+          <p:nvPr/>
+        </p:nvSpPr>
+        <p:spPr>
+          <a:xfrm>
+            <a:off x="1599601" y="5138757"/>
+            <a:ext cx="1692188" cy="360040"/>
+          </a:xfrm>
+          <a:prstGeom prst="roundRect">
+            <a:avLst/>
+          </a:prstGeom>
+        </p:spPr>
+        <p:style>
+          <a:lnRef idx="1">
+            <a:schemeClr val="accent5"/>
+          </a:lnRef>
+          <a:fillRef idx="2">
+            <a:schemeClr val="accent5"/>
+          </a:fillRef>
+          <a:effectRef idx="1">
+            <a:schemeClr val="accent5"/>
+          </a:effectRef>
+          <a:fontRef idx="minor">
+            <a:schemeClr val="dk1"/>
+          </a:fontRef>
+        </p:style>
+        <p:txBody>
+          <a:bodyPr lIns="0" tIns="0" rIns="0" bIns="0" rtlCol="0" anchor="ctr"/>
+          <a:lstStyle/>
+          <a:p>
+            <a:pPr algn="ctr"/>
+            <a:r>
+              <a:rPr lang="en-US" altLang="zh-CN" sz="1600" smtClean="0"/>
+              <a:t>Plugin</a:t>
+            </a:r>
+            <a:endParaRPr lang="zh-CN" altLang="en-US" sz="1600"/>
+          </a:p>
+        </p:txBody>
+      </p:sp>
+      <p:sp>
+        <p:nvSpPr>
+          <p:cNvPr id="15" name="圆角矩形 14"/>
+          <p:cNvSpPr/>
+          <p:nvPr/>
+        </p:nvSpPr>
+        <p:spPr>
+          <a:xfrm>
+            <a:off x="1599601" y="5735393"/>
+            <a:ext cx="1692188" cy="360040"/>
+          </a:xfrm>
+          <a:prstGeom prst="roundRect">
+            <a:avLst/>
+          </a:prstGeom>
+        </p:spPr>
+        <p:style>
+          <a:lnRef idx="1">
+            <a:schemeClr val="accent5"/>
+          </a:lnRef>
+          <a:fillRef idx="2">
+            <a:schemeClr val="accent5"/>
+          </a:fillRef>
+          <a:effectRef idx="1">
+            <a:schemeClr val="accent5"/>
+          </a:effectRef>
+          <a:fontRef idx="minor">
+            <a:schemeClr val="dk1"/>
+          </a:fontRef>
+        </p:style>
+        <p:txBody>
+          <a:bodyPr lIns="0" tIns="0" rIns="0" bIns="0" rtlCol="0" anchor="ctr"/>
+          <a:lstStyle/>
+          <a:p>
+            <a:pPr algn="ctr"/>
+            <a:r>
+              <a:rPr lang="en-US" altLang="zh-CN" sz="1600" smtClean="0"/>
+              <a:t>Game</a:t>
+            </a:r>
+            <a:endParaRPr lang="zh-CN" altLang="en-US" sz="1600"/>
+          </a:p>
+        </p:txBody>
+      </p:sp>
+      <p:cxnSp>
+        <p:nvCxnSpPr>
+          <p:cNvPr id="16" name="肘形连接符 15"/>
+          <p:cNvCxnSpPr>
+            <a:stCxn id="4" idx="2"/>
+            <a:endCxn id="12" idx="1"/>
+          </p:cNvCxnSpPr>
+          <p:nvPr/>
+        </p:nvCxnSpPr>
+        <p:spPr>
+          <a:xfrm rot="16200000" flipH="1">
+            <a:off x="352319" y="2878219"/>
+            <a:ext cx="2206532" cy="288032"/>
+          </a:xfrm>
+          <a:prstGeom prst="bentConnector2">
+            <a:avLst/>
+          </a:prstGeom>
+          <a:ln w="19050"/>
+        </p:spPr>
+        <p:style>
+          <a:lnRef idx="1">
+            <a:schemeClr val="accent1"/>
+          </a:lnRef>
+          <a:fillRef idx="0">
+            <a:schemeClr val="accent1"/>
+          </a:fillRef>
+          <a:effectRef idx="0">
+            <a:schemeClr val="accent1"/>
+          </a:effectRef>
+          <a:fontRef idx="minor">
+            <a:schemeClr val="tx1"/>
+          </a:fontRef>
+        </p:style>
+      </p:cxnSp>
+      <p:cxnSp>
+        <p:nvCxnSpPr>
+          <p:cNvPr id="19" name="肘形连接符 18"/>
+          <p:cNvCxnSpPr>
+            <a:stCxn id="4" idx="2"/>
+            <a:endCxn id="13" idx="1"/>
+          </p:cNvCxnSpPr>
+          <p:nvPr/>
+        </p:nvCxnSpPr>
+        <p:spPr>
+          <a:xfrm rot="16200000" flipH="1">
+            <a:off x="54000" y="3176538"/>
+            <a:ext cx="2803170" cy="288032"/>
+          </a:xfrm>
+          <a:prstGeom prst="bentConnector2">
+            <a:avLst/>
+          </a:prstGeom>
+          <a:ln w="19050"/>
+        </p:spPr>
+        <p:style>
+          <a:lnRef idx="1">
+            <a:schemeClr val="accent1"/>
+          </a:lnRef>
+          <a:fillRef idx="0">
+            <a:schemeClr val="accent1"/>
+          </a:fillRef>
+          <a:effectRef idx="0">
+            <a:schemeClr val="accent1"/>
+          </a:effectRef>
+          <a:fontRef idx="minor">
+            <a:schemeClr val="tx1"/>
+          </a:fontRef>
+        </p:style>
+      </p:cxnSp>
+      <p:cxnSp>
+        <p:nvCxnSpPr>
+          <p:cNvPr id="22" name="肘形连接符 21"/>
+          <p:cNvCxnSpPr>
+            <a:stCxn id="4" idx="2"/>
+            <a:endCxn id="14" idx="1"/>
+          </p:cNvCxnSpPr>
+          <p:nvPr/>
+        </p:nvCxnSpPr>
+        <p:spPr>
+          <a:xfrm rot="16200000" flipH="1">
+            <a:off x="-244319" y="3474857"/>
+            <a:ext cx="3399808" cy="288032"/>
+          </a:xfrm>
+          <a:prstGeom prst="bentConnector2">
+            <a:avLst/>
+          </a:prstGeom>
+          <a:ln w="19050"/>
+        </p:spPr>
+        <p:style>
+          <a:lnRef idx="1">
+            <a:schemeClr val="accent1"/>
+          </a:lnRef>
+          <a:fillRef idx="0">
+            <a:schemeClr val="accent1"/>
+          </a:fillRef>
+          <a:effectRef idx="0">
+            <a:schemeClr val="accent1"/>
+          </a:effectRef>
+          <a:fontRef idx="minor">
+            <a:schemeClr val="tx1"/>
+          </a:fontRef>
+        </p:style>
+      </p:cxnSp>
+      <p:cxnSp>
+        <p:nvCxnSpPr>
+          <p:cNvPr id="25" name="肘形连接符 24"/>
+          <p:cNvCxnSpPr>
+            <a:stCxn id="4" idx="2"/>
+            <a:endCxn id="15" idx="1"/>
+          </p:cNvCxnSpPr>
+          <p:nvPr/>
+        </p:nvCxnSpPr>
+        <p:spPr>
+          <a:xfrm rot="16200000" flipH="1">
+            <a:off x="-542637" y="3773175"/>
+            <a:ext cx="3996444" cy="288032"/>
+          </a:xfrm>
+          <a:prstGeom prst="bentConnector2">
+            <a:avLst/>
+          </a:prstGeom>
+          <a:ln w="19050"/>
+        </p:spPr>
+        <p:style>
+          <a:lnRef idx="1">
+            <a:schemeClr val="accent1"/>
+          </a:lnRef>
+          <a:fillRef idx="0">
+            <a:schemeClr val="accent1"/>
+          </a:fillRef>
+          <a:effectRef idx="0">
+            <a:schemeClr val="accent1"/>
+          </a:effectRef>
+          <a:fontRef idx="minor">
+            <a:schemeClr val="tx1"/>
+          </a:fontRef>
+        </p:style>
+      </p:cxnSp>
+      <p:cxnSp>
+        <p:nvCxnSpPr>
+          <p:cNvPr id="28" name="肘形连接符 27"/>
+          <p:cNvCxnSpPr>
+            <a:stCxn id="17" idx="3"/>
+            <a:endCxn id="13" idx="3"/>
+          </p:cNvCxnSpPr>
+          <p:nvPr/>
+        </p:nvCxnSpPr>
+        <p:spPr>
+          <a:xfrm>
+            <a:off x="3291789" y="3528863"/>
+            <a:ext cx="12700" cy="1193276"/>
+          </a:xfrm>
+          <a:prstGeom prst="bentConnector3">
+            <a:avLst>
+              <a:gd name="adj1" fmla="val 1800000"/>
+            </a:avLst>
+          </a:prstGeom>
+          <a:ln w="19050">
+            <a:solidFill>
+              <a:schemeClr val="accent6">
+                <a:lumMod val="75000"/>
+              </a:schemeClr>
+            </a:solidFill>
+            <a:prstDash val="solid"/>
+            <a:tailEnd type="triangle" w="med" len="lg"/>
+          </a:ln>
+        </p:spPr>
+        <p:style>
+          <a:lnRef idx="1">
+            <a:schemeClr val="accent1"/>
+          </a:lnRef>
+          <a:fillRef idx="0">
+            <a:schemeClr val="accent1"/>
+          </a:fillRef>
+          <a:effectRef idx="0">
+            <a:schemeClr val="accent1"/>
+          </a:effectRef>
+          <a:fontRef idx="minor">
+            <a:schemeClr val="tx1"/>
+          </a:fontRef>
+        </p:style>
+      </p:cxnSp>
+      <p:cxnSp>
+        <p:nvCxnSpPr>
+          <p:cNvPr id="31" name="肘形连接符 30"/>
+          <p:cNvCxnSpPr>
+            <a:stCxn id="17" idx="3"/>
+            <a:endCxn id="14" idx="3"/>
+          </p:cNvCxnSpPr>
+          <p:nvPr/>
+        </p:nvCxnSpPr>
+        <p:spPr>
+          <a:xfrm>
+            <a:off x="3291789" y="3528863"/>
+            <a:ext cx="12700" cy="1789914"/>
+          </a:xfrm>
+          <a:prstGeom prst="bentConnector3">
+            <a:avLst>
+              <a:gd name="adj1" fmla="val 1800000"/>
+            </a:avLst>
+          </a:prstGeom>
+          <a:ln w="19050">
+            <a:solidFill>
+              <a:schemeClr val="accent6">
+                <a:lumMod val="75000"/>
+              </a:schemeClr>
+            </a:solidFill>
+            <a:prstDash val="solid"/>
+            <a:tailEnd type="triangle" w="med" len="lg"/>
+          </a:ln>
+        </p:spPr>
+        <p:style>
+          <a:lnRef idx="1">
+            <a:schemeClr val="accent1"/>
+          </a:lnRef>
+          <a:fillRef idx="0">
+            <a:schemeClr val="accent1"/>
+          </a:fillRef>
+          <a:effectRef idx="0">
+            <a:schemeClr val="accent1"/>
+          </a:effectRef>
+          <a:fontRef idx="minor">
+            <a:schemeClr val="tx1"/>
+          </a:fontRef>
+        </p:style>
+      </p:cxnSp>
+      <p:cxnSp>
+        <p:nvCxnSpPr>
+          <p:cNvPr id="34" name="肘形连接符 33"/>
+          <p:cNvCxnSpPr>
+            <a:stCxn id="5" idx="3"/>
+            <a:endCxn id="6" idx="3"/>
+          </p:cNvCxnSpPr>
+          <p:nvPr/>
+        </p:nvCxnSpPr>
+        <p:spPr>
+          <a:xfrm>
+            <a:off x="3291789" y="2335587"/>
+            <a:ext cx="12700" cy="596638"/>
+          </a:xfrm>
+          <a:prstGeom prst="bentConnector3">
+            <a:avLst>
+              <a:gd name="adj1" fmla="val 1800000"/>
+            </a:avLst>
+          </a:prstGeom>
+          <a:ln w="19050">
+            <a:solidFill>
+              <a:schemeClr val="accent6">
+                <a:lumMod val="75000"/>
+              </a:schemeClr>
+            </a:solidFill>
+            <a:prstDash val="solid"/>
+            <a:tailEnd type="triangle" w="med" len="lg"/>
+          </a:ln>
+        </p:spPr>
+        <p:style>
+          <a:lnRef idx="1">
+            <a:schemeClr val="accent1"/>
+          </a:lnRef>
+          <a:fillRef idx="0">
+            <a:schemeClr val="accent1"/>
+          </a:fillRef>
+          <a:effectRef idx="0">
+            <a:schemeClr val="accent1"/>
+          </a:effectRef>
+          <a:fontRef idx="minor">
+            <a:schemeClr val="tx1"/>
+          </a:fontRef>
+        </p:style>
+      </p:cxnSp>
+      <p:sp>
+        <p:nvSpPr>
+          <p:cNvPr id="37" name="TextBox 36"/>
+          <p:cNvSpPr txBox="1"/>
+          <p:nvPr/>
+        </p:nvSpPr>
+        <p:spPr>
+          <a:xfrm>
+            <a:off x="3581182" y="2347450"/>
+            <a:ext cx="360040" cy="584775"/>
+          </a:xfrm>
+          <a:prstGeom prst="rect">
+            <a:avLst/>
+          </a:prstGeom>
+          <a:noFill/>
+        </p:spPr>
+        <p:txBody>
+          <a:bodyPr wrap="square" rtlCol="0">
+            <a:spAutoFit/>
+          </a:bodyPr>
+          <a:lstStyle/>
+          <a:p>
+            <a:r>
+              <a:rPr lang="zh-CN" altLang="en-US" sz="1600" smtClean="0"/>
+              <a:t>实</a:t>
+            </a:r>
+            <a:endParaRPr lang="en-US" altLang="zh-CN" sz="1600" smtClean="0"/>
+          </a:p>
+          <a:p>
+            <a:r>
+              <a:rPr lang="zh-CN" altLang="en-US" sz="1600" smtClean="0"/>
+              <a:t>现</a:t>
+            </a:r>
+            <a:endParaRPr lang="en-US" altLang="zh-CN" sz="1600" smtClean="0"/>
+          </a:p>
+        </p:txBody>
+      </p:sp>
+      <p:sp>
+        <p:nvSpPr>
+          <p:cNvPr id="52" name="TextBox 51"/>
+          <p:cNvSpPr txBox="1"/>
+          <p:nvPr/>
+        </p:nvSpPr>
+        <p:spPr>
+          <a:xfrm>
+            <a:off x="3547991" y="4125501"/>
+            <a:ext cx="360040" cy="584775"/>
+          </a:xfrm>
+          <a:prstGeom prst="rect">
+            <a:avLst/>
+          </a:prstGeom>
+          <a:noFill/>
+        </p:spPr>
+        <p:txBody>
+          <a:bodyPr wrap="square" rtlCol="0">
+            <a:spAutoFit/>
+          </a:bodyPr>
+          <a:lstStyle/>
+          <a:p>
+            <a:r>
+              <a:rPr lang="zh-CN" altLang="en-US" sz="1600" smtClean="0"/>
+              <a:t>实</a:t>
+            </a:r>
+            <a:endParaRPr lang="en-US" altLang="zh-CN" sz="1600" smtClean="0"/>
+          </a:p>
+          <a:p>
+            <a:r>
+              <a:rPr lang="zh-CN" altLang="en-US" sz="1600" smtClean="0"/>
+              <a:t>现</a:t>
+            </a:r>
+            <a:endParaRPr lang="en-US" altLang="zh-CN" sz="1600" smtClean="0"/>
+          </a:p>
+        </p:txBody>
+      </p:sp>
+    </p:spTree>
+    <p:extLst>
+      <p:ext uri="{BB962C8B-B14F-4D97-AF65-F5344CB8AC3E}">
+        <p14:creationId xmlns:p14="http://schemas.microsoft.com/office/powerpoint/2010/main" val="74459429"/>
+      </p:ext>
+    </p:extLst>
+  </p:cSld>
+  <p:clrMapOvr>
+    <a:masterClrMapping/>
+  </p:clrMapOvr>
+</p:sld>
+</file>
+
+<file path=ppt/slides/slide4.xml><?xml version="1.0" encoding="utf-8"?>
+<p:sld xmlns:a="http://schemas.openxmlformats.org/drawingml/2006/main" xmlns:r="http://schemas.openxmlformats.org/officeDocument/2006/relationships" xmlns:p="http://schemas.openxmlformats.org/presentationml/2006/main">
+  <p:cSld>
+    <p:spTree>
+      <p:nvGrpSpPr>
+        <p:cNvPr id="1" name=""/>
+        <p:cNvGrpSpPr/>
+        <p:nvPr/>
+      </p:nvGrpSpPr>
+      <p:grpSpPr>
+        <a:xfrm>
+          <a:off x="0" y="0"/>
+          <a:ext cx="0" cy="0"/>
+          <a:chOff x="0" y="0"/>
+          <a:chExt cx="0" cy="0"/>
+        </a:xfrm>
+      </p:grpSpPr>
+      <p:sp>
+        <p:nvSpPr>
+          <p:cNvPr id="2" name="标题 1"/>
+          <p:cNvSpPr>
+            <a:spLocks noGrp="1"/>
+          </p:cNvSpPr>
+          <p:nvPr>
+            <p:ph type="title"/>
+          </p:nvPr>
+        </p:nvSpPr>
+        <p:spPr/>
+        <p:txBody>
+          <a:bodyPr/>
+          <a:lstStyle/>
+          <a:p>
+            <a:r>
+              <a:rPr lang="zh-CN" altLang="en-US"/>
+              <a:t>场景结构</a:t>
+            </a:r>
+            <a:endParaRPr lang="zh-CN" altLang="en-US"/>
+          </a:p>
+        </p:txBody>
+      </p:sp>
+      <p:sp>
+        <p:nvSpPr>
+          <p:cNvPr id="4" name="圆角矩形 3"/>
+          <p:cNvSpPr/>
+          <p:nvPr/>
+        </p:nvSpPr>
+        <p:spPr>
+          <a:xfrm>
+            <a:off x="398119" y="2034253"/>
+            <a:ext cx="1944216" cy="360040"/>
+          </a:xfrm>
+          <a:prstGeom prst="roundRect">
+            <a:avLst/>
+          </a:prstGeom>
+        </p:spPr>
+        <p:style>
+          <a:lnRef idx="1">
+            <a:schemeClr val="accent6"/>
+          </a:lnRef>
+          <a:fillRef idx="3">
+            <a:schemeClr val="accent6"/>
+          </a:fillRef>
+          <a:effectRef idx="2">
+            <a:schemeClr val="accent6"/>
+          </a:effectRef>
+          <a:fontRef idx="minor">
+            <a:schemeClr val="lt1"/>
+          </a:fontRef>
+        </p:style>
+        <p:txBody>
+          <a:bodyPr lIns="0" tIns="0" rIns="0" bIns="0" rtlCol="0" anchor="ctr"/>
+          <a:lstStyle/>
+          <a:p>
+            <a:pPr algn="ctr"/>
+            <a:r>
+              <a:rPr lang="en-US" altLang="zh-CN" sz="1600" smtClean="0"/>
+              <a:t>RStageManager</a:t>
+            </a:r>
+            <a:endParaRPr lang="zh-CN" altLang="en-US" sz="1600"/>
+          </a:p>
+        </p:txBody>
+      </p:sp>
+      <p:sp>
+        <p:nvSpPr>
+          <p:cNvPr id="5" name="圆角矩形 4"/>
+          <p:cNvSpPr/>
+          <p:nvPr/>
+        </p:nvSpPr>
+        <p:spPr>
+          <a:xfrm>
+            <a:off x="1622255" y="2538309"/>
+            <a:ext cx="1944216" cy="360040"/>
+          </a:xfrm>
+          <a:prstGeom prst="roundRect">
+            <a:avLst/>
+          </a:prstGeom>
+        </p:spPr>
+        <p:style>
+          <a:lnRef idx="1">
+            <a:schemeClr val="accent6"/>
+          </a:lnRef>
+          <a:fillRef idx="2">
+            <a:schemeClr val="accent6"/>
+          </a:fillRef>
+          <a:effectRef idx="1">
+            <a:schemeClr val="accent6"/>
+          </a:effectRef>
+          <a:fontRef idx="minor">
+            <a:schemeClr val="dk1"/>
+          </a:fontRef>
+        </p:style>
+        <p:txBody>
+          <a:bodyPr lIns="0" tIns="0" rIns="0" bIns="0" rtlCol="0" anchor="ctr"/>
+          <a:lstStyle/>
+          <a:p>
+            <a:pPr algn="ctr"/>
+            <a:r>
+              <a:rPr lang="en-US" altLang="zh-CN" sz="1600" smtClean="0"/>
+              <a:t>FStage</a:t>
+            </a:r>
+            <a:endParaRPr lang="zh-CN" altLang="en-US" sz="1600"/>
+          </a:p>
+        </p:txBody>
+      </p:sp>
+      <p:sp>
+        <p:nvSpPr>
+          <p:cNvPr id="6" name="圆角矩形 5"/>
+          <p:cNvSpPr/>
+          <p:nvPr/>
+        </p:nvSpPr>
+        <p:spPr>
+          <a:xfrm>
+            <a:off x="4142535" y="3546421"/>
+            <a:ext cx="1944216" cy="360040"/>
+          </a:xfrm>
+          <a:prstGeom prst="roundRect">
+            <a:avLst/>
+          </a:prstGeom>
+        </p:spPr>
+        <p:style>
+          <a:lnRef idx="1">
+            <a:schemeClr val="accent6"/>
+          </a:lnRef>
+          <a:fillRef idx="2">
+            <a:schemeClr val="accent6"/>
+          </a:fillRef>
+          <a:effectRef idx="1">
+            <a:schemeClr val="accent6"/>
+          </a:effectRef>
+          <a:fontRef idx="minor">
+            <a:schemeClr val="dk1"/>
+          </a:fontRef>
+        </p:style>
+        <p:txBody>
+          <a:bodyPr lIns="0" tIns="0" rIns="0" bIns="0" rtlCol="0" anchor="ctr"/>
+          <a:lstStyle/>
+          <a:p>
+            <a:pPr algn="ctr"/>
+            <a:r>
+              <a:rPr lang="en-US" altLang="zh-CN" sz="1600" smtClean="0"/>
+              <a:t>FDisplayLayer</a:t>
+            </a:r>
+            <a:endParaRPr lang="zh-CN" altLang="en-US" sz="1600"/>
+          </a:p>
+        </p:txBody>
+      </p:sp>
+      <p:sp>
+        <p:nvSpPr>
+          <p:cNvPr id="7" name="圆角矩形 6"/>
+          <p:cNvSpPr/>
+          <p:nvPr/>
+        </p:nvSpPr>
+        <p:spPr>
+          <a:xfrm>
+            <a:off x="5523650" y="4045557"/>
+            <a:ext cx="1944216" cy="360040"/>
+          </a:xfrm>
+          <a:prstGeom prst="roundRect">
+            <a:avLst/>
+          </a:prstGeom>
+        </p:spPr>
+        <p:style>
+          <a:lnRef idx="1">
+            <a:schemeClr val="accent6"/>
+          </a:lnRef>
+          <a:fillRef idx="2">
+            <a:schemeClr val="accent6"/>
+          </a:fillRef>
+          <a:effectRef idx="1">
+            <a:schemeClr val="accent6"/>
+          </a:effectRef>
+          <a:fontRef idx="minor">
+            <a:schemeClr val="dk1"/>
+          </a:fontRef>
+        </p:style>
+        <p:txBody>
+          <a:bodyPr lIns="0" tIns="0" rIns="0" bIns="0" rtlCol="0" anchor="ctr"/>
+          <a:lstStyle/>
+          <a:p>
+            <a:pPr algn="ctr"/>
+            <a:r>
+              <a:rPr lang="en-US" altLang="zh-CN" sz="1600" smtClean="0"/>
+              <a:t>FDisplay</a:t>
+            </a:r>
+            <a:endParaRPr lang="zh-CN" altLang="en-US" sz="1600"/>
+          </a:p>
+        </p:txBody>
+      </p:sp>
+      <p:sp>
+        <p:nvSpPr>
+          <p:cNvPr id="9" name="圆角矩形 8"/>
+          <p:cNvSpPr/>
+          <p:nvPr/>
+        </p:nvSpPr>
+        <p:spPr>
+          <a:xfrm>
+            <a:off x="2856611" y="3042365"/>
+            <a:ext cx="1944216" cy="360040"/>
+          </a:xfrm>
+          <a:prstGeom prst="roundRect">
+            <a:avLst/>
+          </a:prstGeom>
+        </p:spPr>
+        <p:style>
+          <a:lnRef idx="1">
+            <a:schemeClr val="accent6"/>
+          </a:lnRef>
+          <a:fillRef idx="2">
+            <a:schemeClr val="accent6"/>
+          </a:fillRef>
+          <a:effectRef idx="1">
+            <a:schemeClr val="accent6"/>
+          </a:effectRef>
+          <a:fontRef idx="minor">
+            <a:schemeClr val="dk1"/>
+          </a:fontRef>
+        </p:style>
+        <p:txBody>
+          <a:bodyPr lIns="0" tIns="0" rIns="0" bIns="0" rtlCol="0" anchor="ctr"/>
+          <a:lstStyle/>
+          <a:p>
+            <a:pPr algn="ctr"/>
+            <a:r>
+              <a:rPr lang="en-US" altLang="zh-CN" sz="1600" smtClean="0"/>
+              <a:t>FStageLayer</a:t>
+            </a:r>
+            <a:endParaRPr lang="zh-CN" altLang="en-US" sz="1600"/>
+          </a:p>
+        </p:txBody>
+      </p:sp>
+      <p:cxnSp>
+        <p:nvCxnSpPr>
+          <p:cNvPr id="11" name="肘形连接符 10"/>
+          <p:cNvCxnSpPr>
+            <a:stCxn id="4" idx="2"/>
+            <a:endCxn id="5" idx="1"/>
+          </p:cNvCxnSpPr>
+          <p:nvPr/>
+        </p:nvCxnSpPr>
+        <p:spPr>
+          <a:xfrm rot="16200000" flipH="1">
+            <a:off x="1334223" y="2430297"/>
+            <a:ext cx="324036" cy="252028"/>
+          </a:xfrm>
+          <a:prstGeom prst="bentConnector2">
+            <a:avLst/>
+          </a:prstGeom>
+          <a:ln w="19050"/>
+        </p:spPr>
+        <p:style>
+          <a:lnRef idx="1">
+            <a:schemeClr val="accent1"/>
+          </a:lnRef>
+          <a:fillRef idx="0">
+            <a:schemeClr val="accent1"/>
+          </a:fillRef>
+          <a:effectRef idx="0">
+            <a:schemeClr val="accent1"/>
+          </a:effectRef>
+          <a:fontRef idx="minor">
+            <a:schemeClr val="tx1"/>
+          </a:fontRef>
+        </p:style>
+      </p:cxnSp>
+      <p:cxnSp>
+        <p:nvCxnSpPr>
+          <p:cNvPr id="15" name="肘形连接符 14"/>
+          <p:cNvCxnSpPr>
+            <a:stCxn id="5" idx="2"/>
+            <a:endCxn id="9" idx="1"/>
+          </p:cNvCxnSpPr>
+          <p:nvPr/>
+        </p:nvCxnSpPr>
+        <p:spPr>
+          <a:xfrm rot="16200000" flipH="1">
+            <a:off x="2563469" y="2929243"/>
+            <a:ext cx="324036" cy="262248"/>
+          </a:xfrm>
+          <a:prstGeom prst="bentConnector2">
+            <a:avLst/>
+          </a:prstGeom>
+          <a:ln w="19050"/>
+        </p:spPr>
+        <p:style>
+          <a:lnRef idx="1">
+            <a:schemeClr val="accent1"/>
+          </a:lnRef>
+          <a:fillRef idx="0">
+            <a:schemeClr val="accent1"/>
+          </a:fillRef>
+          <a:effectRef idx="0">
+            <a:schemeClr val="accent1"/>
+          </a:effectRef>
+          <a:fontRef idx="minor">
+            <a:schemeClr val="tx1"/>
+          </a:fontRef>
+        </p:style>
+      </p:cxnSp>
+      <p:cxnSp>
+        <p:nvCxnSpPr>
+          <p:cNvPr id="20" name="肘形连接符 19"/>
+          <p:cNvCxnSpPr>
+            <a:stCxn id="9" idx="2"/>
+            <a:endCxn id="6" idx="1"/>
+          </p:cNvCxnSpPr>
+          <p:nvPr/>
+        </p:nvCxnSpPr>
+        <p:spPr>
+          <a:xfrm rot="16200000" flipH="1">
+            <a:off x="3823609" y="3407515"/>
+            <a:ext cx="324036" cy="313816"/>
+          </a:xfrm>
+          <a:prstGeom prst="bentConnector2">
+            <a:avLst/>
+          </a:prstGeom>
+          <a:ln w="19050"/>
+        </p:spPr>
+        <p:style>
+          <a:lnRef idx="1">
+            <a:schemeClr val="accent1"/>
+          </a:lnRef>
+          <a:fillRef idx="0">
+            <a:schemeClr val="accent1"/>
+          </a:fillRef>
+          <a:effectRef idx="0">
+            <a:schemeClr val="accent1"/>
+          </a:effectRef>
+          <a:fontRef idx="minor">
+            <a:schemeClr val="tx1"/>
+          </a:fontRef>
+        </p:style>
+      </p:cxnSp>
+      <p:cxnSp>
+        <p:nvCxnSpPr>
+          <p:cNvPr id="25" name="肘形连接符 24"/>
+          <p:cNvCxnSpPr>
+            <a:stCxn id="6" idx="2"/>
+            <a:endCxn id="7" idx="1"/>
+          </p:cNvCxnSpPr>
+          <p:nvPr/>
+        </p:nvCxnSpPr>
+        <p:spPr>
+          <a:xfrm rot="16200000" flipH="1">
+            <a:off x="5159588" y="3861515"/>
+            <a:ext cx="319116" cy="409007"/>
+          </a:xfrm>
+          <a:prstGeom prst="bentConnector2">
+            <a:avLst/>
+          </a:prstGeom>
+          <a:ln w="19050"/>
+        </p:spPr>
+        <p:style>
+          <a:lnRef idx="1">
+            <a:schemeClr val="accent1"/>
+          </a:lnRef>
+          <a:fillRef idx="0">
+            <a:schemeClr val="accent1"/>
+          </a:fillRef>
+          <a:effectRef idx="0">
+            <a:schemeClr val="accent1"/>
+          </a:effectRef>
+          <a:fontRef idx="minor">
+            <a:schemeClr val="tx1"/>
+          </a:fontRef>
+        </p:style>
+      </p:cxnSp>
+      <p:sp>
+        <p:nvSpPr>
+          <p:cNvPr id="16" name="圆角矩形 15"/>
+          <p:cNvSpPr/>
+          <p:nvPr/>
+        </p:nvSpPr>
+        <p:spPr>
+          <a:xfrm>
+            <a:off x="6662815" y="4581946"/>
+            <a:ext cx="1944216" cy="360040"/>
+          </a:xfrm>
+          <a:prstGeom prst="roundRect">
+            <a:avLst/>
+          </a:prstGeom>
+        </p:spPr>
+        <p:style>
+          <a:lnRef idx="1">
+            <a:schemeClr val="accent6"/>
+          </a:lnRef>
+          <a:fillRef idx="2">
+            <a:schemeClr val="accent6"/>
+          </a:fillRef>
+          <a:effectRef idx="1">
+            <a:schemeClr val="accent6"/>
+          </a:effectRef>
+          <a:fontRef idx="minor">
+            <a:schemeClr val="dk1"/>
+          </a:fontRef>
+        </p:style>
+        <p:txBody>
+          <a:bodyPr lIns="0" tIns="0" rIns="0" bIns="0" rtlCol="0" anchor="ctr"/>
+          <a:lstStyle/>
+          <a:p>
+            <a:pPr algn="ctr"/>
+            <a:r>
+              <a:rPr lang="en-US" altLang="zh-CN" sz="1600" smtClean="0"/>
+              <a:t>FRenderable</a:t>
+            </a:r>
+            <a:endParaRPr lang="zh-CN" altLang="en-US" sz="1600"/>
+          </a:p>
+        </p:txBody>
+      </p:sp>
+      <p:cxnSp>
+        <p:nvCxnSpPr>
+          <p:cNvPr id="17" name="肘形连接符 16"/>
+          <p:cNvCxnSpPr>
+            <a:stCxn id="7" idx="2"/>
+            <a:endCxn id="16" idx="1"/>
+          </p:cNvCxnSpPr>
+          <p:nvPr/>
+        </p:nvCxnSpPr>
+        <p:spPr>
+          <a:xfrm rot="16200000" flipH="1">
+            <a:off x="6401102" y="4500252"/>
+            <a:ext cx="356369" cy="167057"/>
+          </a:xfrm>
+          <a:prstGeom prst="bentConnector2">
+            <a:avLst/>
+          </a:prstGeom>
+          <a:ln w="19050"/>
+        </p:spPr>
+        <p:style>
+          <a:lnRef idx="1">
+            <a:schemeClr val="accent1"/>
+          </a:lnRef>
+          <a:fillRef idx="0">
+            <a:schemeClr val="accent1"/>
+          </a:fillRef>
+          <a:effectRef idx="0">
+            <a:schemeClr val="accent1"/>
+          </a:effectRef>
+          <a:fontRef idx="minor">
+            <a:schemeClr val="tx1"/>
+          </a:fontRef>
+        </p:style>
+      </p:cxnSp>
+      <p:sp>
+        <p:nvSpPr>
+          <p:cNvPr id="23" name="圆角矩形 22"/>
+          <p:cNvSpPr/>
+          <p:nvPr/>
+        </p:nvSpPr>
+        <p:spPr>
+          <a:xfrm>
+            <a:off x="6662815" y="5098831"/>
+            <a:ext cx="1944216" cy="360040"/>
+          </a:xfrm>
+          <a:prstGeom prst="roundRect">
+            <a:avLst/>
+          </a:prstGeom>
+        </p:spPr>
+        <p:style>
+          <a:lnRef idx="1">
+            <a:schemeClr val="accent5"/>
+          </a:lnRef>
+          <a:fillRef idx="2">
+            <a:schemeClr val="accent5"/>
+          </a:fillRef>
+          <a:effectRef idx="1">
+            <a:schemeClr val="accent5"/>
+          </a:effectRef>
+          <a:fontRef idx="minor">
+            <a:schemeClr val="dk1"/>
+          </a:fontRef>
+        </p:style>
+        <p:txBody>
+          <a:bodyPr lIns="0" tIns="0" rIns="0" bIns="0" rtlCol="0" anchor="ctr"/>
+          <a:lstStyle/>
+          <a:p>
+            <a:pPr algn="ctr"/>
+            <a:r>
+              <a:rPr lang="en-US" altLang="zh-CN" sz="1600" smtClean="0"/>
+              <a:t>FDisplay</a:t>
+            </a:r>
+            <a:endParaRPr lang="zh-CN" altLang="en-US" sz="1600"/>
+          </a:p>
+        </p:txBody>
+      </p:sp>
+      <p:cxnSp>
+        <p:nvCxnSpPr>
+          <p:cNvPr id="24" name="肘形连接符 23"/>
+          <p:cNvCxnSpPr>
+            <a:stCxn id="7" idx="2"/>
+            <a:endCxn id="23" idx="1"/>
+          </p:cNvCxnSpPr>
+          <p:nvPr/>
+        </p:nvCxnSpPr>
+        <p:spPr>
+          <a:xfrm rot="16200000" flipH="1">
+            <a:off x="6142659" y="4758695"/>
+            <a:ext cx="873254" cy="167057"/>
+          </a:xfrm>
+          <a:prstGeom prst="bentConnector2">
+            <a:avLst/>
+          </a:prstGeom>
+          <a:ln w="19050"/>
+        </p:spPr>
+        <p:style>
+          <a:lnRef idx="1">
+            <a:schemeClr val="accent1"/>
+          </a:lnRef>
+          <a:fillRef idx="0">
+            <a:schemeClr val="accent1"/>
+          </a:fillRef>
+          <a:effectRef idx="0">
+            <a:schemeClr val="accent1"/>
+          </a:effectRef>
+          <a:fontRef idx="minor">
+            <a:schemeClr val="tx1"/>
+          </a:fontRef>
+        </p:style>
+      </p:cxnSp>
+      <p:sp>
+        <p:nvSpPr>
+          <p:cNvPr id="27" name="TextBox 26"/>
+          <p:cNvSpPr txBox="1"/>
+          <p:nvPr/>
+        </p:nvSpPr>
+        <p:spPr>
+          <a:xfrm>
+            <a:off x="313159" y="3447997"/>
+            <a:ext cx="3240508" cy="1323439"/>
+          </a:xfrm>
+          <a:prstGeom prst="rect">
+            <a:avLst/>
+          </a:prstGeom>
+          <a:noFill/>
+        </p:spPr>
+        <p:txBody>
+          <a:bodyPr wrap="square" rtlCol="0">
+            <a:spAutoFit/>
+          </a:bodyPr>
+          <a:lstStyle/>
+          <a:p>
+            <a:r>
+              <a:rPr lang="zh-CN" altLang="en-US" sz="1600" b="1" smtClean="0">
+                <a:solidFill>
+                  <a:srgbClr val="FF0000"/>
+                </a:solidFill>
+              </a:rPr>
+              <a:t>舞台</a:t>
+            </a:r>
+            <a:r>
+              <a:rPr lang="zh-CN" altLang="en-US" sz="1600"/>
+              <a:t>：</a:t>
+            </a:r>
+            <a:endParaRPr lang="en-US" altLang="zh-CN" sz="1600" smtClean="0"/>
+          </a:p>
+          <a:p>
+            <a:pPr marL="285750" indent="-285750">
+              <a:buFont typeface="Arial" pitchFamily="34" charset="0"/>
+              <a:buChar char="•"/>
+            </a:pPr>
+            <a:r>
+              <a:rPr lang="zh-CN" altLang="en-US" sz="1600" smtClean="0"/>
+              <a:t>所有显示对象的根节点，同时只能被激活一个。</a:t>
+            </a:r>
+            <a:endParaRPr lang="en-US" altLang="zh-CN" sz="1600"/>
+          </a:p>
+          <a:p>
+            <a:pPr marL="285750" indent="-285750">
+              <a:buFont typeface="Arial" pitchFamily="34" charset="0"/>
+              <a:buChar char="•"/>
+            </a:pPr>
+            <a:r>
+              <a:rPr lang="zh-CN" altLang="en-US" sz="1600" smtClean="0"/>
+              <a:t>每帧渲染后处理中，将所有舞台层纹理合成显示内容。</a:t>
+            </a:r>
+            <a:endParaRPr lang="en-US" altLang="zh-CN" sz="1600" smtClean="0"/>
+          </a:p>
+        </p:txBody>
+      </p:sp>
+      <p:cxnSp>
+        <p:nvCxnSpPr>
+          <p:cNvPr id="30" name="直接箭头连接符 29"/>
+          <p:cNvCxnSpPr>
+            <a:stCxn id="27" idx="0"/>
+            <a:endCxn id="5" idx="2"/>
+          </p:cNvCxnSpPr>
+          <p:nvPr/>
+        </p:nvCxnSpPr>
+        <p:spPr>
+          <a:xfrm flipV="1">
+            <a:off x="1933413" y="2898349"/>
+            <a:ext cx="660950" cy="549648"/>
+          </a:xfrm>
+          <a:prstGeom prst="straightConnector1">
+            <a:avLst/>
+          </a:prstGeom>
+          <a:ln w="19050">
+            <a:solidFill>
+              <a:schemeClr val="accent6">
+                <a:lumMod val="75000"/>
+              </a:schemeClr>
+            </a:solidFill>
+            <a:prstDash val="dash"/>
+            <a:tailEnd type="triangle" w="med" len="lg"/>
+          </a:ln>
+        </p:spPr>
+        <p:style>
+          <a:lnRef idx="1">
+            <a:schemeClr val="accent1"/>
+          </a:lnRef>
+          <a:fillRef idx="0">
+            <a:schemeClr val="accent1"/>
+          </a:fillRef>
+          <a:effectRef idx="0">
+            <a:schemeClr val="accent1"/>
+          </a:effectRef>
+          <a:fontRef idx="minor">
+            <a:schemeClr val="tx1"/>
+          </a:fontRef>
+        </p:style>
+      </p:cxnSp>
+      <p:sp>
+        <p:nvSpPr>
+          <p:cNvPr id="38" name="TextBox 37"/>
+          <p:cNvSpPr txBox="1"/>
+          <p:nvPr/>
+        </p:nvSpPr>
+        <p:spPr>
+          <a:xfrm>
+            <a:off x="3597559" y="1205560"/>
+            <a:ext cx="4104456" cy="1569660"/>
+          </a:xfrm>
+          <a:prstGeom prst="rect">
+            <a:avLst/>
+          </a:prstGeom>
+          <a:noFill/>
+        </p:spPr>
+        <p:txBody>
+          <a:bodyPr wrap="square" rtlCol="0">
+            <a:spAutoFit/>
+          </a:bodyPr>
+          <a:lstStyle/>
+          <a:p>
+            <a:r>
+              <a:rPr lang="zh-CN" altLang="en-US" sz="1600" b="1" smtClean="0">
+                <a:solidFill>
+                  <a:srgbClr val="FF0000"/>
+                </a:solidFill>
+              </a:rPr>
+              <a:t>舞台层</a:t>
+            </a:r>
+            <a:r>
+              <a:rPr lang="zh-CN" altLang="en-US" sz="1600"/>
+              <a:t>：</a:t>
+            </a:r>
+            <a:endParaRPr lang="en-US" altLang="zh-CN" sz="1600" smtClean="0"/>
+          </a:p>
+          <a:p>
+            <a:pPr marL="285750" indent="-285750">
+              <a:buFont typeface="Arial" pitchFamily="34" charset="0"/>
+              <a:buChar char="•"/>
+            </a:pPr>
+            <a:r>
+              <a:rPr lang="zh-CN" altLang="en-US" sz="1600"/>
+              <a:t>每</a:t>
+            </a:r>
+            <a:r>
+              <a:rPr lang="zh-CN" altLang="en-US" sz="1600" smtClean="0"/>
+              <a:t>层拥有一个渲染目标</a:t>
+            </a:r>
+            <a:r>
+              <a:rPr lang="en-US" altLang="zh-CN" sz="1600" smtClean="0"/>
+              <a:t>(RenderTarget)</a:t>
+            </a:r>
+            <a:r>
+              <a:rPr lang="zh-CN" altLang="en-US" sz="1600" smtClean="0"/>
+              <a:t>，</a:t>
+            </a:r>
+            <a:endParaRPr lang="en-US" altLang="zh-CN" sz="1600" smtClean="0"/>
+          </a:p>
+          <a:p>
+            <a:pPr marL="285750" indent="-285750">
+              <a:buFont typeface="Arial" pitchFamily="34" charset="0"/>
+              <a:buChar char="•"/>
+            </a:pPr>
+            <a:r>
+              <a:rPr lang="zh-CN" altLang="en-US" sz="1600"/>
+              <a:t>每层拥有一</a:t>
+            </a:r>
+            <a:r>
+              <a:rPr lang="zh-CN" altLang="en-US" sz="1600"/>
+              <a:t>个</a:t>
+            </a:r>
+            <a:r>
+              <a:rPr lang="zh-CN" altLang="en-US" sz="1600" smtClean="0"/>
+              <a:t>渲染管道</a:t>
+            </a:r>
+            <a:r>
+              <a:rPr lang="en-US" altLang="zh-CN" sz="1600" smtClean="0"/>
+              <a:t>(RenderPipeline)</a:t>
+            </a:r>
+            <a:r>
+              <a:rPr lang="zh-CN" altLang="en-US" sz="1600" smtClean="0"/>
+              <a:t>，</a:t>
+            </a:r>
+            <a:endParaRPr lang="en-US" altLang="zh-CN" sz="1600" smtClean="0"/>
+          </a:p>
+          <a:p>
+            <a:pPr marL="285750" indent="-285750">
+              <a:buFont typeface="Arial" pitchFamily="34" charset="0"/>
+              <a:buChar char="•"/>
+            </a:pPr>
+            <a:r>
+              <a:rPr lang="zh-CN" altLang="en-US" sz="1600" smtClean="0"/>
+              <a:t>可以选择自己的渲染方式，使用自己的颜色清空屏幕，渲染后生成一张与屏幕大小无关的</a:t>
+            </a:r>
+            <a:r>
+              <a:rPr lang="zh-CN" altLang="en-US" sz="1600"/>
+              <a:t>内存</a:t>
+            </a:r>
+            <a:r>
+              <a:rPr lang="zh-CN" altLang="en-US" sz="1600" smtClean="0"/>
+              <a:t>纹理。</a:t>
+            </a:r>
+            <a:endParaRPr lang="en-US" altLang="zh-CN" sz="1600" smtClean="0"/>
+          </a:p>
+        </p:txBody>
+      </p:sp>
+      <p:cxnSp>
+        <p:nvCxnSpPr>
+          <p:cNvPr id="39" name="直接箭头连接符 38"/>
+          <p:cNvCxnSpPr>
+            <a:stCxn id="38" idx="2"/>
+            <a:endCxn id="9" idx="3"/>
+          </p:cNvCxnSpPr>
+          <p:nvPr/>
+        </p:nvCxnSpPr>
+        <p:spPr>
+          <a:xfrm flipH="1">
+            <a:off x="4800827" y="2775220"/>
+            <a:ext cx="848960" cy="447165"/>
+          </a:xfrm>
+          <a:prstGeom prst="straightConnector1">
+            <a:avLst/>
+          </a:prstGeom>
+          <a:ln w="19050">
+            <a:solidFill>
+              <a:schemeClr val="accent6">
+                <a:lumMod val="75000"/>
+              </a:schemeClr>
+            </a:solidFill>
+            <a:prstDash val="dash"/>
+            <a:tailEnd type="triangle" w="med" len="lg"/>
+          </a:ln>
+        </p:spPr>
+        <p:style>
+          <a:lnRef idx="1">
+            <a:schemeClr val="accent1"/>
+          </a:lnRef>
+          <a:fillRef idx="0">
+            <a:schemeClr val="accent1"/>
+          </a:fillRef>
+          <a:effectRef idx="0">
+            <a:schemeClr val="accent1"/>
+          </a:effectRef>
+          <a:fontRef idx="minor">
+            <a:schemeClr val="tx1"/>
+          </a:fontRef>
+        </p:style>
+      </p:cxnSp>
+      <p:sp>
+        <p:nvSpPr>
+          <p:cNvPr id="59" name="TextBox 58"/>
+          <p:cNvSpPr txBox="1"/>
+          <p:nvPr/>
+        </p:nvSpPr>
+        <p:spPr>
+          <a:xfrm>
+            <a:off x="313159" y="5098831"/>
+            <a:ext cx="3234736" cy="1323439"/>
+          </a:xfrm>
+          <a:prstGeom prst="rect">
+            <a:avLst/>
+          </a:prstGeom>
+          <a:noFill/>
+        </p:spPr>
+        <p:txBody>
+          <a:bodyPr wrap="square" rtlCol="0">
+            <a:spAutoFit/>
+          </a:bodyPr>
+          <a:lstStyle/>
+          <a:p>
+            <a:r>
+              <a:rPr lang="zh-CN" altLang="en-US" sz="1600" b="1" smtClean="0">
+                <a:solidFill>
+                  <a:srgbClr val="FF0000"/>
+                </a:solidFill>
+              </a:rPr>
+              <a:t>显示层</a:t>
+            </a:r>
+            <a:r>
+              <a:rPr lang="zh-CN" altLang="en-US" sz="1600" smtClean="0"/>
+              <a:t>：</a:t>
+            </a:r>
+            <a:endParaRPr lang="en-US" altLang="zh-CN" sz="1600" smtClean="0"/>
+          </a:p>
+          <a:p>
+            <a:pPr marL="285750" indent="-285750">
+              <a:buFont typeface="Arial" pitchFamily="34" charset="0"/>
+              <a:buChar char="•"/>
+            </a:pPr>
+            <a:r>
+              <a:rPr lang="zh-CN" altLang="en-US" sz="1600" smtClean="0"/>
+              <a:t>每层的对象在同一层内排序。</a:t>
+            </a:r>
+            <a:endParaRPr lang="en-US" altLang="zh-CN" sz="1600"/>
+          </a:p>
+          <a:p>
+            <a:pPr marL="285750" indent="-285750">
+              <a:buFont typeface="Arial" pitchFamily="34" charset="0"/>
+              <a:buChar char="•"/>
+            </a:pPr>
+            <a:r>
+              <a:rPr lang="zh-CN" altLang="en-US" sz="1600" smtClean="0"/>
+              <a:t>从最下层逐渐向最上层绘制。</a:t>
+            </a:r>
+            <a:endParaRPr lang="en-US" altLang="zh-CN" sz="1600" smtClean="0"/>
+          </a:p>
+          <a:p>
+            <a:pPr marL="285750" indent="-285750">
+              <a:buFont typeface="Arial" pitchFamily="34" charset="0"/>
+              <a:buChar char="•"/>
+            </a:pPr>
+            <a:r>
+              <a:rPr lang="zh-CN" altLang="en-US" sz="1600"/>
+              <a:t>各</a:t>
+            </a:r>
+            <a:r>
+              <a:rPr lang="zh-CN" altLang="en-US" sz="1600" smtClean="0"/>
+              <a:t>层可以选择是否保留以前的深度或测试缓冲。</a:t>
+            </a:r>
+            <a:endParaRPr lang="en-US" altLang="zh-CN" sz="1600" smtClean="0"/>
+          </a:p>
+        </p:txBody>
+      </p:sp>
+      <p:cxnSp>
+        <p:nvCxnSpPr>
+          <p:cNvPr id="60" name="直接箭头连接符 59"/>
+          <p:cNvCxnSpPr>
+            <a:stCxn id="59" idx="0"/>
+            <a:endCxn id="6" idx="2"/>
+          </p:cNvCxnSpPr>
+          <p:nvPr/>
+        </p:nvCxnSpPr>
+        <p:spPr>
+          <a:xfrm flipV="1">
+            <a:off x="1930527" y="3906461"/>
+            <a:ext cx="3184116" cy="1192370"/>
+          </a:xfrm>
+          <a:prstGeom prst="straightConnector1">
+            <a:avLst/>
+          </a:prstGeom>
+          <a:ln w="19050">
+            <a:solidFill>
+              <a:schemeClr val="accent6">
+                <a:lumMod val="75000"/>
+              </a:schemeClr>
+            </a:solidFill>
+            <a:prstDash val="dash"/>
+            <a:tailEnd type="triangle" w="med" len="lg"/>
+          </a:ln>
+        </p:spPr>
+        <p:style>
+          <a:lnRef idx="1">
+            <a:schemeClr val="accent1"/>
+          </a:lnRef>
+          <a:fillRef idx="0">
+            <a:schemeClr val="accent1"/>
+          </a:fillRef>
+          <a:effectRef idx="0">
+            <a:schemeClr val="accent1"/>
+          </a:effectRef>
+          <a:fontRef idx="minor">
+            <a:schemeClr val="tx1"/>
+          </a:fontRef>
+        </p:style>
+      </p:cxnSp>
+      <p:sp>
+        <p:nvSpPr>
+          <p:cNvPr id="75" name="TextBox 74"/>
+          <p:cNvSpPr txBox="1"/>
+          <p:nvPr/>
+        </p:nvSpPr>
+        <p:spPr>
+          <a:xfrm>
+            <a:off x="3657111" y="5098831"/>
+            <a:ext cx="2797914" cy="1569660"/>
+          </a:xfrm>
+          <a:prstGeom prst="rect">
+            <a:avLst/>
+          </a:prstGeom>
+          <a:noFill/>
+        </p:spPr>
+        <p:txBody>
+          <a:bodyPr wrap="square" rtlCol="0">
+            <a:spAutoFit/>
+          </a:bodyPr>
+          <a:lstStyle/>
+          <a:p>
+            <a:r>
+              <a:rPr lang="zh-CN" altLang="en-US" sz="1600" b="1" smtClean="0">
+                <a:solidFill>
+                  <a:srgbClr val="FF0000"/>
+                </a:solidFill>
+              </a:rPr>
+              <a:t>显示对象</a:t>
+            </a:r>
+            <a:r>
+              <a:rPr lang="zh-CN" altLang="en-US" sz="1600"/>
+              <a:t>：</a:t>
+            </a:r>
+            <a:endParaRPr lang="en-US" altLang="zh-CN" sz="1600" smtClean="0"/>
+          </a:p>
+          <a:p>
+            <a:pPr marL="285750" indent="-285750">
+              <a:buFont typeface="Arial" pitchFamily="34" charset="0"/>
+              <a:buChar char="•"/>
+            </a:pPr>
+            <a:r>
+              <a:rPr lang="zh-CN" altLang="en-US" sz="1600" smtClean="0"/>
+              <a:t>控制自己和所有子对象是否显示。</a:t>
+            </a:r>
+            <a:endParaRPr lang="en-US" altLang="zh-CN" sz="1600"/>
+          </a:p>
+          <a:p>
+            <a:pPr marL="285750" indent="-285750">
+              <a:buFont typeface="Arial" pitchFamily="34" charset="0"/>
+              <a:buChar char="•"/>
+            </a:pPr>
+            <a:r>
+              <a:rPr lang="zh-CN" altLang="en-US" sz="1600" smtClean="0"/>
+              <a:t>提供空间矩阵控制。</a:t>
+            </a:r>
+            <a:endParaRPr lang="en-US" altLang="zh-CN" sz="1600" smtClean="0"/>
+          </a:p>
+          <a:p>
+            <a:pPr marL="285750" indent="-285750">
+              <a:buFont typeface="Arial" pitchFamily="34" charset="0"/>
+              <a:buChar char="•"/>
+            </a:pPr>
+            <a:r>
+              <a:rPr lang="zh-CN" altLang="en-US" sz="1600" smtClean="0"/>
+              <a:t>提供渲染对象列表，决定渲染内容</a:t>
+            </a:r>
+            <a:endParaRPr lang="en-US" altLang="zh-CN" sz="1600" smtClean="0"/>
+          </a:p>
+        </p:txBody>
+      </p:sp>
+      <p:cxnSp>
+        <p:nvCxnSpPr>
+          <p:cNvPr id="76" name="直接箭头连接符 75"/>
+          <p:cNvCxnSpPr>
+            <a:stCxn id="75" idx="0"/>
+            <a:endCxn id="7" idx="2"/>
+          </p:cNvCxnSpPr>
+          <p:nvPr/>
+        </p:nvCxnSpPr>
+        <p:spPr>
+          <a:xfrm flipV="1">
+            <a:off x="5056068" y="4405597"/>
+            <a:ext cx="1439690" cy="693234"/>
+          </a:xfrm>
+          <a:prstGeom prst="straightConnector1">
+            <a:avLst/>
+          </a:prstGeom>
+          <a:ln w="19050">
+            <a:solidFill>
+              <a:schemeClr val="accent6">
+                <a:lumMod val="75000"/>
+              </a:schemeClr>
+            </a:solidFill>
+            <a:prstDash val="dash"/>
+            <a:tailEnd type="triangle" w="med" len="lg"/>
+          </a:ln>
+        </p:spPr>
+        <p:style>
+          <a:lnRef idx="1">
+            <a:schemeClr val="accent1"/>
+          </a:lnRef>
+          <a:fillRef idx="0">
+            <a:schemeClr val="accent1"/>
+          </a:fillRef>
+          <a:effectRef idx="0">
+            <a:schemeClr val="accent1"/>
+          </a:effectRef>
+          <a:fontRef idx="minor">
+            <a:schemeClr val="tx1"/>
+          </a:fontRef>
+        </p:style>
+      </p:cxnSp>
+      <p:sp>
+        <p:nvSpPr>
+          <p:cNvPr id="83" name="TextBox 82"/>
+          <p:cNvSpPr txBox="1"/>
+          <p:nvPr/>
+        </p:nvSpPr>
+        <p:spPr>
+          <a:xfrm>
+            <a:off x="6235966" y="2834316"/>
+            <a:ext cx="2797914" cy="830997"/>
+          </a:xfrm>
+          <a:prstGeom prst="rect">
+            <a:avLst/>
+          </a:prstGeom>
+          <a:noFill/>
+        </p:spPr>
+        <p:txBody>
+          <a:bodyPr wrap="square" rtlCol="0">
+            <a:spAutoFit/>
+          </a:bodyPr>
+          <a:lstStyle/>
+          <a:p>
+            <a:r>
+              <a:rPr lang="zh-CN" altLang="en-US" sz="1600" b="1">
+                <a:solidFill>
+                  <a:srgbClr val="FF0000"/>
+                </a:solidFill>
+              </a:rPr>
+              <a:t>渲染</a:t>
+            </a:r>
+            <a:r>
+              <a:rPr lang="zh-CN" altLang="en-US" sz="1600" b="1" smtClean="0">
+                <a:solidFill>
+                  <a:srgbClr val="FF0000"/>
+                </a:solidFill>
+              </a:rPr>
+              <a:t>对象</a:t>
+            </a:r>
+            <a:r>
+              <a:rPr lang="zh-CN" altLang="en-US" sz="1600"/>
+              <a:t>：</a:t>
+            </a:r>
+            <a:endParaRPr lang="en-US" altLang="zh-CN" sz="1600" smtClean="0"/>
+          </a:p>
+          <a:p>
+            <a:pPr marL="285750" indent="-285750">
+              <a:buFont typeface="Arial" pitchFamily="34" charset="0"/>
+              <a:buChar char="•"/>
+            </a:pPr>
+            <a:r>
+              <a:rPr lang="zh-CN" altLang="en-US" sz="1600" smtClean="0"/>
+              <a:t>提供所有渲染信息。</a:t>
+            </a:r>
+            <a:endParaRPr lang="en-US" altLang="zh-CN" sz="1600"/>
+          </a:p>
+          <a:p>
+            <a:pPr marL="285750" indent="-285750">
+              <a:buFont typeface="Arial" pitchFamily="34" charset="0"/>
+              <a:buChar char="•"/>
+            </a:pPr>
+            <a:r>
+              <a:rPr lang="zh-CN" altLang="en-US" sz="1600" smtClean="0"/>
+              <a:t>提供</a:t>
+            </a:r>
+            <a:r>
+              <a:rPr lang="zh-CN" altLang="en-US" sz="1600"/>
+              <a:t>所有</a:t>
+            </a:r>
+            <a:r>
+              <a:rPr lang="zh-CN" altLang="en-US" sz="1600" smtClean="0"/>
+              <a:t>材质信息。</a:t>
+            </a:r>
+            <a:endParaRPr lang="en-US" altLang="zh-CN" sz="1600" smtClean="0"/>
+          </a:p>
+        </p:txBody>
+      </p:sp>
+      <p:cxnSp>
+        <p:nvCxnSpPr>
+          <p:cNvPr id="85" name="直接箭头连接符 84"/>
+          <p:cNvCxnSpPr>
+            <a:stCxn id="83" idx="2"/>
+            <a:endCxn id="16" idx="0"/>
+          </p:cNvCxnSpPr>
+          <p:nvPr/>
+        </p:nvCxnSpPr>
+        <p:spPr>
+          <a:xfrm>
+            <a:off x="7634923" y="3665313"/>
+            <a:ext cx="0" cy="916633"/>
+          </a:xfrm>
+          <a:prstGeom prst="straightConnector1">
+            <a:avLst/>
+          </a:prstGeom>
+          <a:ln w="19050">
+            <a:solidFill>
+              <a:schemeClr val="accent6">
+                <a:lumMod val="75000"/>
+              </a:schemeClr>
+            </a:solidFill>
+            <a:prstDash val="dash"/>
+            <a:tailEnd type="triangle" w="med" len="lg"/>
+          </a:ln>
+        </p:spPr>
+        <p:style>
+          <a:lnRef idx="1">
+            <a:schemeClr val="accent1"/>
+          </a:lnRef>
+          <a:fillRef idx="0">
+            <a:schemeClr val="accent1"/>
+          </a:fillRef>
+          <a:effectRef idx="0">
+            <a:schemeClr val="accent1"/>
+          </a:effectRef>
+          <a:fontRef idx="minor">
+            <a:schemeClr val="tx1"/>
+          </a:fontRef>
+        </p:style>
+      </p:cxnSp>
+    </p:spTree>
+    <p:extLst>
+      <p:ext uri="{BB962C8B-B14F-4D97-AF65-F5344CB8AC3E}">
+        <p14:creationId xmlns:p14="http://schemas.microsoft.com/office/powerpoint/2010/main" val="1705725394"/>
+      </p:ext>
+    </p:extLst>
+  </p:cSld>
+  <p:clrMapOvr>
+    <a:masterClrMapping/>
+  </p:clrMapOvr>
+</p:sld>
+</file>
+
+<file path=ppt/slides/slide5.xml><?xml version="1.0" encoding="utf-8"?>
+<p:sld xmlns:a="http://schemas.openxmlformats.org/drawingml/2006/main" xmlns:r="http://schemas.openxmlformats.org/officeDocument/2006/relationships" xmlns:p="http://schemas.openxmlformats.org/presentationml/2006/main">
+  <p:cSld>
+    <p:spTree>
+      <p:nvGrpSpPr>
+        <p:cNvPr id="1" name=""/>
+        <p:cNvGrpSpPr/>
+        <p:nvPr/>
+      </p:nvGrpSpPr>
+      <p:grpSpPr>
+        <a:xfrm>
+          <a:off x="0" y="0"/>
+          <a:ext cx="0" cy="0"/>
+          <a:chOff x="0" y="0"/>
+          <a:chExt cx="0" cy="0"/>
+        </a:xfrm>
+      </p:grpSpPr>
+      <p:sp>
+        <p:nvSpPr>
+          <p:cNvPr id="2" name="标题 1"/>
+          <p:cNvSpPr>
+            <a:spLocks noGrp="1"/>
+          </p:cNvSpPr>
+          <p:nvPr>
+            <p:ph type="title"/>
+          </p:nvPr>
+        </p:nvSpPr>
+        <p:spPr/>
+        <p:txBody>
+          <a:bodyPr/>
+          <a:lstStyle/>
+          <a:p>
+            <a:r>
+              <a:rPr lang="zh-CN" altLang="en-US" smtClean="0"/>
               <a:t>脚本结构</a:t>
             </a:r>
             <a:endParaRPr lang="zh-CN" altLang="en-US"/>
@@ -3334,11 +5571,7 @@
             <a:pPr lvl="1"/>
             <a:r>
               <a:rPr lang="zh-CN" altLang="en-US"/>
-              <a:t>其他</a:t>
-            </a:r>
-            <a:r>
-              <a:rPr lang="zh-CN" altLang="en-US"/>
-              <a:t>任意</a:t>
+              <a:t>其他任意</a:t>
             </a:r>
             <a:r>
               <a:rPr lang="zh-CN" altLang="en-US" smtClean="0"/>
@@ -3631,7 +5864,7 @@
 </p:sld>
 </file>
 
-<file path=ppt/slides/slide4.xml><?xml version="1.0" encoding="utf-8"?>
+<file path=ppt/slides/slide6.xml><?xml version="1.0" encoding="utf-8"?>
 <p:sld xmlns:a="http://schemas.openxmlformats.org/drawingml/2006/main" xmlns:r="http://schemas.openxmlformats.org/officeDocument/2006/relationships" xmlns:p="http://schemas.openxmlformats.org/presentationml/2006/main">
   <p:cSld>
     <p:spTree>
